--- a/ppts/3-1~3_Stack Quiz.pptx
+++ b/ppts/3-1~3_Stack Quiz.pptx
@@ -429,7 +429,7 @@
           <a:p>
             <a:fld id="{A9ADF8C7-AEDF-43D6-9DAF-DECAC1AD2E30}" type="datetimeFigureOut">
               <a:rPr lang="ko-KR" altLang="en-US" smtClean="0"/>
-              <a:t>2023-09-30</a:t>
+              <a:t>2024. 3. 30.</a:t>
             </a:fld>
             <a:endParaRPr lang="ko-KR" altLang="en-US"/>
           </a:p>
@@ -876,10 +876,6 @@
               <a:rPr lang="ko-KR" altLang="en-US" dirty="0"/>
               <a:t>마스터 제목 </a:t>
             </a:r>
-            <a:r>
-              <a:rPr lang="en-US" altLang="ko-KR" dirty="0"/>
-              <a:t/>
-            </a:r>
             <a:br>
               <a:rPr lang="en-US" altLang="ko-KR" dirty="0"/>
             </a:br>
@@ -1342,7 +1338,7 @@
           </a:ln>
           <a:extLst>
             <a:ext uri="{C572A759-6A51-4108-AA02-DFA0A04FC94B}">
-              <ma14:wrappingTextBoxFlag xmlns="" xmlns:ma14="http://schemas.microsoft.com/office/mac/drawingml/2011/main" val="1"/>
+              <ma14:wrappingTextBoxFlag xmlns:ma14="http://schemas.microsoft.com/office/mac/drawingml/2011/main" xmlns="" val="1"/>
             </a:ext>
           </a:extLst>
         </p:spPr>
@@ -3074,7 +3070,7 @@
           <a:p>
             <a:fld id="{AC778754-33AA-481A-B885-58843B94B2EC}" type="datetime1">
               <a:rPr lang="ko-KR" altLang="en-US" smtClean="0"/>
-              <a:t>2023-09-30</a:t>
+              <a:t>2024. 3. 30.</a:t>
             </a:fld>
             <a:endParaRPr lang="ko-KR" altLang="en-US" dirty="0"/>
           </a:p>
@@ -3598,8 +3594,8 @@
           </a:p>
         </p:txBody>
       </p:sp>
-      <mc:AlternateContent xmlns:mc="http://schemas.openxmlformats.org/markup-compatibility/2006">
-        <mc:Choice xmlns:a14="http://schemas.microsoft.com/office/drawing/2010/main" Requires="a14">
+      <mc:AlternateContent xmlns:mc="http://schemas.openxmlformats.org/markup-compatibility/2006" xmlns:a14="http://schemas.microsoft.com/office/drawing/2010/main">
+        <mc:Choice Requires="a14">
           <p:sp>
             <p:nvSpPr>
               <p:cNvPr id="3" name="내용 개체 틀 2"/>
@@ -3787,28 +3783,10 @@
                   <a:rPr lang="en-US" altLang="ko-KR" dirty="0">
                     <a:latin typeface="Century Gothic" panose="020B0502020202020204" pitchFamily="34" charset="0"/>
                   </a:rPr>
-                  <a:t>Rewrite T(N) shown above in a </a:t>
+                  <a:t>Rewrite T(N) shown above in a closed form, but </a:t>
                 </a:r>
                 <a:r>
-                  <a:rPr lang="en-US" altLang="ko-KR">
-                    <a:latin typeface="Century Gothic" panose="020B0502020202020204" pitchFamily="34" charset="0"/>
-                  </a:rPr>
-                  <a:t>closed </a:t>
-                </a:r>
-                <a:r>
-                  <a:rPr lang="en-US" altLang="ko-KR" smtClean="0">
-                    <a:latin typeface="Century Gothic" panose="020B0502020202020204" pitchFamily="34" charset="0"/>
-                  </a:rPr>
-                  <a:t>form, </a:t>
-                </a:r>
-                <a:r>
-                  <a:rPr lang="en-US" altLang="ko-KR" smtClean="0">
-                    <a:latin typeface="Century Gothic" panose="020B0502020202020204" pitchFamily="34" charset="0"/>
-                  </a:rPr>
-                  <a:t>but </a:t>
-                </a:r>
-                <a:r>
-                  <a:rPr lang="en-US" altLang="ko-KR" smtClean="0">
+                  <a:rPr lang="en-US" altLang="ko-KR" dirty="0">
                     <a:solidFill>
                       <a:srgbClr val="C00000"/>
                     </a:solidFill>
@@ -3817,34 +3795,16 @@
                   <a:t>not</a:t>
                 </a:r>
                 <a:r>
-                  <a:rPr lang="en-US" altLang="ko-KR" smtClean="0">
+                  <a:rPr lang="en-US" altLang="ko-KR" dirty="0">
                     <a:latin typeface="Century Gothic" panose="020B0502020202020204" pitchFamily="34" charset="0"/>
                   </a:rPr>
-                  <a:t> O(n)</a:t>
-                </a:r>
-                <a:r>
-                  <a:rPr lang="en-US" altLang="ko-KR" smtClean="0">
-                    <a:latin typeface="Century Gothic" panose="020B0502020202020204" pitchFamily="34" charset="0"/>
-                  </a:rPr>
-                  <a:t>.</a:t>
-                </a:r>
-                <a:r>
-                  <a:rPr lang="en-US" altLang="ko-KR" b="1" dirty="0">
-                    <a:latin typeface="Century Gothic" panose="020B0502020202020204" pitchFamily="34" charset="0"/>
-                  </a:rPr>
-                  <a:t/>
+                  <a:t> O(n).</a:t>
                 </a:r>
                 <a:br>
                   <a:rPr lang="en-US" altLang="ko-KR" b="1" dirty="0">
                     <a:latin typeface="Century Gothic" panose="020B0502020202020204" pitchFamily="34" charset="0"/>
                   </a:rPr>
                 </a:br>
-                <a:r>
-                  <a:rPr lang="en-US" altLang="ko-KR" b="1" i="1" dirty="0">
-                    <a:latin typeface="Cambria Math" panose="02040503050406030204" pitchFamily="18" charset="0"/>
-                  </a:rPr>
-                  <a:t/>
-                </a:r>
                 <a:br>
                   <a:rPr lang="en-US" altLang="ko-KR" b="1" i="1" dirty="0">
                     <a:latin typeface="Cambria Math" panose="02040503050406030204" pitchFamily="18" charset="0"/>
@@ -3857,7 +3817,7 @@
             </p:txBody>
           </p:sp>
         </mc:Choice>
-        <mc:Fallback>
+        <mc:Fallback xmlns="">
           <p:sp>
             <p:nvSpPr>
               <p:cNvPr id="3" name="내용 개체 틀 2"/>
@@ -3915,8 +3875,8 @@
           </a:p>
         </p:txBody>
       </p:sp>
-      <mc:AlternateContent xmlns:mc="http://schemas.openxmlformats.org/markup-compatibility/2006" xmlns:a14="http://schemas.microsoft.com/office/drawing/2010/main">
-        <mc:Choice Requires="a14">
+      <mc:AlternateContent xmlns:mc="http://schemas.openxmlformats.org/markup-compatibility/2006">
+        <mc:Choice xmlns:a14="http://schemas.microsoft.com/office/drawing/2010/main" Requires="a14">
           <p:sp>
             <p:nvSpPr>
               <p:cNvPr id="223" name="TextBox 222"/>
@@ -4262,7 +4222,7 @@
                       <m:sSup>
                         <m:sSupPr>
                           <m:ctrlPr>
-                            <a:rPr lang="en-US" altLang="ko-KR" sz="1800" i="1">
+                            <a:rPr lang="en-US" altLang="ko-KR" sz="1800" i="1" smtClean="0">
                               <a:latin typeface="Cambria Math" panose="02040503050406030204" pitchFamily="18" charset="0"/>
                             </a:rPr>
                           </m:ctrlPr>
@@ -4291,7 +4251,7 @@
                         </m:sup>
                       </m:sSup>
                       <m:r>
-                        <a:rPr lang="en-US" altLang="ko-KR" sz="1800" i="1">
+                        <a:rPr lang="en-US" altLang="ko-KR" sz="1800" i="1" smtClean="0">
                           <a:latin typeface="Cambria Math" panose="02040503050406030204" pitchFamily="18" charset="0"/>
                         </a:rPr>
                         <m:t> −1</m:t>
@@ -4449,15 +4409,6 @@
                     </m:d>
                   </m:oMath>
                 </a14:m>
-                <a:r>
-                  <a:rPr lang="en-US" altLang="ko-KR" sz="1800" i="1" dirty="0">
-                    <a:solidFill>
-                      <a:srgbClr val="C00000"/>
-                    </a:solidFill>
-                    <a:latin typeface="Cambria Math" panose="02040503050406030204" pitchFamily="18" charset="0"/>
-                  </a:rPr>
-                  <a:t/>
-                </a:r>
                 <a:br>
                   <a:rPr lang="en-US" altLang="ko-KR" sz="1800" i="1" dirty="0">
                     <a:solidFill>
@@ -4493,7 +4444,77 @@
                         </a:solidFill>
                         <a:latin typeface="Cambria Math" panose="02040503050406030204" pitchFamily="18" charset="0"/>
                       </a:rPr>
-                      <m:t> ?</m:t>
+                      <m:t> </m:t>
+                    </m:r>
+                    <m:r>
+                      <a:rPr lang="en-US" altLang="ko-KR" sz="1800" i="1" dirty="0" smtClean="0">
+                        <a:solidFill>
+                          <a:schemeClr val="tx1"/>
+                        </a:solidFill>
+                        <a:latin typeface="Cambria Math" panose="02040503050406030204" pitchFamily="18" charset="0"/>
+                      </a:rPr>
+                      <m:t>𝑁</m:t>
+                    </m:r>
+                    <m:r>
+                      <a:rPr lang="en-US" altLang="ko-KR" sz="1800" i="1" dirty="0" smtClean="0">
+                        <a:solidFill>
+                          <a:schemeClr val="tx1"/>
+                        </a:solidFill>
+                        <a:latin typeface="Cambria Math" panose="02040503050406030204" pitchFamily="18" charset="0"/>
+                      </a:rPr>
+                      <m:t> +</m:t>
+                    </m:r>
+                    <m:sSup>
+                      <m:sSupPr>
+                        <m:ctrlPr>
+                          <a:rPr lang="en-US" altLang="ko-KR" sz="1800" i="1">
+                            <a:solidFill>
+                              <a:schemeClr val="tx1"/>
+                            </a:solidFill>
+                            <a:latin typeface="Cambria Math" panose="02040503050406030204" pitchFamily="18" charset="0"/>
+                          </a:rPr>
+                        </m:ctrlPr>
+                      </m:sSupPr>
+                      <m:e>
+                        <m:r>
+                          <a:rPr lang="en-US" altLang="ko-KR" sz="1800" i="1">
+                            <a:solidFill>
+                              <a:schemeClr val="tx1"/>
+                            </a:solidFill>
+                            <a:latin typeface="Cambria Math" panose="02040503050406030204" pitchFamily="18" charset="0"/>
+                          </a:rPr>
+                          <m:t>2</m:t>
+                        </m:r>
+                      </m:e>
+                      <m:sup>
+                        <m:r>
+                          <a:rPr lang="en-US" altLang="ko-KR" sz="1800" i="1">
+                            <a:solidFill>
+                              <a:schemeClr val="tx1"/>
+                            </a:solidFill>
+                            <a:latin typeface="Cambria Math" panose="02040503050406030204" pitchFamily="18" charset="0"/>
+                          </a:rPr>
+                          <m:t>𝑛</m:t>
+                        </m:r>
+                        <m:r>
+                          <a:rPr lang="en-US" altLang="ko-KR" sz="1800" i="1">
+                            <a:solidFill>
+                              <a:schemeClr val="tx1"/>
+                            </a:solidFill>
+                            <a:latin typeface="Cambria Math" panose="02040503050406030204" pitchFamily="18" charset="0"/>
+                          </a:rPr>
+                          <m:t>+1</m:t>
+                        </m:r>
+                      </m:sup>
+                    </m:sSup>
+                    <m:r>
+                      <a:rPr lang="en-US" altLang="ko-KR" sz="1800" i="1" dirty="0">
+                        <a:solidFill>
+                          <a:schemeClr val="tx1"/>
+                        </a:solidFill>
+                        <a:latin typeface="Cambria Math" panose="02040503050406030204" pitchFamily="18" charset="0"/>
+                      </a:rPr>
+                      <m:t>−1</m:t>
                     </m:r>
                   </m:oMath>
                 </a14:m>
@@ -4515,7 +4536,7 @@
             </p:txBody>
           </p:sp>
         </mc:Choice>
-        <mc:Fallback xmlns="">
+        <mc:Fallback>
           <p:sp>
             <p:nvSpPr>
               <p:cNvPr id="223" name="TextBox 222"/>
@@ -4535,7 +4556,7 @@
               <a:blipFill>
                 <a:blip r:embed="rId3"/>
                 <a:stretch>
-                  <a:fillRect l="-902" b="-1141"/>
+                  <a:fillRect l="-937" b="-1484"/>
                 </a:stretch>
               </a:blipFill>
               <a:ln w="3175">
@@ -4551,7 +4572,7 @@
               <a:lstStyle/>
               <a:p>
                 <a:r>
-                  <a:rPr lang="ko-KR" altLang="en-US">
+                  <a:rPr lang="ko-Kore-KR" altLang="en-US">
                     <a:noFill/>
                   </a:rPr>
                   <a:t> </a:t>
